--- a/USRI Poster.pptx
+++ b/USRI Poster.pptx
@@ -182,8 +182,7 @@
   <p1510:revLst>
     <p1510:client id="{6F832E70-AB88-1421-DDF5-7099CEA24723}" v="2" dt="2024-06-05T20:34:53.410"/>
     <p1510:client id="{78B91D04-80AC-78E5-266B-8F172B345BCD}" v="11" dt="2024-06-05T17:38:04.177"/>
-    <p1510:client id="{8859BFC0-5DDD-0647-99F3-3544A15195DB}" v="142" dt="2024-06-05T20:37:10.492"/>
-    <p1510:client id="{B9304A6E-37C4-089A-1FE5-DDC6A4117C40}" v="8" dt="2024-06-04T22:06:22.889"/>
+    <p1510:client id="{8859BFC0-5DDD-0647-99F3-3544A15195DB}" v="143" dt="2024-06-06T16:05:20.529"/>
     <p1510:client id="{C4937605-3494-94BE-66D7-804FEFAD1080}" v="102" dt="2024-06-05T18:21:12.334"/>
   </p1510:revLst>
 </p1510:revInfo>
@@ -194,12 +193,12 @@
   <pc:docChgLst>
     <pc:chgData name="Huang, Adil" userId="04d1ba82-a234-4670-befe-74f8085670db" providerId="ADAL" clId="{8859BFC0-5DDD-0647-99F3-3544A15195DB}"/>
     <pc:docChg chg="undo custSel modSld">
-      <pc:chgData name="Huang, Adil" userId="04d1ba82-a234-4670-befe-74f8085670db" providerId="ADAL" clId="{8859BFC0-5DDD-0647-99F3-3544A15195DB}" dt="2024-06-05T20:44:55.471" v="2984" actId="404"/>
+      <pc:chgData name="Huang, Adil" userId="04d1ba82-a234-4670-befe-74f8085670db" providerId="ADAL" clId="{8859BFC0-5DDD-0647-99F3-3544A15195DB}" dt="2024-06-06T16:09:30.171" v="3016" actId="1037"/>
       <pc:docMkLst>
         <pc:docMk/>
       </pc:docMkLst>
       <pc:sldChg chg="addSp delSp modSp mod delCm modCm">
-        <pc:chgData name="Huang, Adil" userId="04d1ba82-a234-4670-befe-74f8085670db" providerId="ADAL" clId="{8859BFC0-5DDD-0647-99F3-3544A15195DB}" dt="2024-06-05T20:44:55.471" v="2984" actId="404"/>
+        <pc:chgData name="Huang, Adil" userId="04d1ba82-a234-4670-befe-74f8085670db" providerId="ADAL" clId="{8859BFC0-5DDD-0647-99F3-3544A15195DB}" dt="2024-06-06T16:09:30.171" v="3016" actId="1037"/>
         <pc:sldMkLst>
           <pc:docMk/>
           <pc:sldMk cId="4037394198" sldId="256"/>
@@ -778,6 +777,14 @@
             <pc:docMk/>
             <pc:sldMk cId="4037394198" sldId="256"/>
             <ac:picMk id="6" creationId="{A43304E4-DFD3-B7EF-2A04-1996DAF2965C}"/>
+          </ac:picMkLst>
+        </pc:picChg>
+        <pc:picChg chg="add mod">
+          <ac:chgData name="Huang, Adil" userId="04d1ba82-a234-4670-befe-74f8085670db" providerId="ADAL" clId="{8859BFC0-5DDD-0647-99F3-3544A15195DB}" dt="2024-06-06T16:09:30.171" v="3016" actId="1037"/>
+          <ac:picMkLst>
+            <pc:docMk/>
+            <pc:sldMk cId="4037394198" sldId="256"/>
+            <ac:picMk id="6" creationId="{D22F4778-FA7B-1EF5-9782-7889BA15BBF7}"/>
           </ac:picMkLst>
         </pc:picChg>
         <pc:picChg chg="add del mod modCrop">
@@ -1552,7 +1559,7 @@
           <a:p>
             <a:fld id="{7A1FAB79-ACE9-AB45-B22F-98D20B6C1B06}" type="datetimeFigureOut">
               <a:rPr lang="en-US" smtClean="0"/>
-              <a:t>6/5/24</a:t>
+              <a:t>6/6/24</a:t>
             </a:fld>
             <a:endParaRPr lang="en-US"/>
           </a:p>
@@ -2032,7 +2039,7 @@
           <a:p>
             <a:fld id="{1D309AFC-4BD8-2744-9B52-244298593CB4}" type="datetimeFigureOut">
               <a:rPr lang="en-US" smtClean="0"/>
-              <a:t>6/5/24</a:t>
+              <a:t>6/6/24</a:t>
             </a:fld>
             <a:endParaRPr lang="en-US"/>
           </a:p>
@@ -2200,7 +2207,7 @@
           <a:p>
             <a:fld id="{1D309AFC-4BD8-2744-9B52-244298593CB4}" type="datetimeFigureOut">
               <a:rPr lang="en-US" smtClean="0"/>
-              <a:t>6/5/24</a:t>
+              <a:t>6/6/24</a:t>
             </a:fld>
             <a:endParaRPr lang="en-US"/>
           </a:p>
@@ -2378,7 +2385,7 @@
           <a:p>
             <a:fld id="{1D309AFC-4BD8-2744-9B52-244298593CB4}" type="datetimeFigureOut">
               <a:rPr lang="en-US" smtClean="0"/>
-              <a:t>6/5/24</a:t>
+              <a:t>6/6/24</a:t>
             </a:fld>
             <a:endParaRPr lang="en-US"/>
           </a:p>
@@ -2546,7 +2553,7 @@
           <a:p>
             <a:fld id="{1D309AFC-4BD8-2744-9B52-244298593CB4}" type="datetimeFigureOut">
               <a:rPr lang="en-US" smtClean="0"/>
-              <a:t>6/5/24</a:t>
+              <a:t>6/6/24</a:t>
             </a:fld>
             <a:endParaRPr lang="en-US"/>
           </a:p>
@@ -2789,7 +2796,7 @@
           <a:p>
             <a:fld id="{1D309AFC-4BD8-2744-9B52-244298593CB4}" type="datetimeFigureOut">
               <a:rPr lang="en-US" smtClean="0"/>
-              <a:t>6/5/24</a:t>
+              <a:t>6/6/24</a:t>
             </a:fld>
             <a:endParaRPr lang="en-US"/>
           </a:p>
@@ -3018,7 +3025,7 @@
           <a:p>
             <a:fld id="{1D309AFC-4BD8-2744-9B52-244298593CB4}" type="datetimeFigureOut">
               <a:rPr lang="en-US" smtClean="0"/>
-              <a:t>6/5/24</a:t>
+              <a:t>6/6/24</a:t>
             </a:fld>
             <a:endParaRPr lang="en-US"/>
           </a:p>
@@ -3382,7 +3389,7 @@
           <a:p>
             <a:fld id="{1D309AFC-4BD8-2744-9B52-244298593CB4}" type="datetimeFigureOut">
               <a:rPr lang="en-US" smtClean="0"/>
-              <a:t>6/5/24</a:t>
+              <a:t>6/6/24</a:t>
             </a:fld>
             <a:endParaRPr lang="en-US"/>
           </a:p>
@@ -3499,7 +3506,7 @@
           <a:p>
             <a:fld id="{1D309AFC-4BD8-2744-9B52-244298593CB4}" type="datetimeFigureOut">
               <a:rPr lang="en-US" smtClean="0"/>
-              <a:t>6/5/24</a:t>
+              <a:t>6/6/24</a:t>
             </a:fld>
             <a:endParaRPr lang="en-US"/>
           </a:p>
@@ -3594,7 +3601,7 @@
           <a:p>
             <a:fld id="{1D309AFC-4BD8-2744-9B52-244298593CB4}" type="datetimeFigureOut">
               <a:rPr lang="en-US" smtClean="0"/>
-              <a:t>6/5/24</a:t>
+              <a:t>6/6/24</a:t>
             </a:fld>
             <a:endParaRPr lang="en-US"/>
           </a:p>
@@ -3869,7 +3876,7 @@
           <a:p>
             <a:fld id="{1D309AFC-4BD8-2744-9B52-244298593CB4}" type="datetimeFigureOut">
               <a:rPr lang="en-US" smtClean="0"/>
-              <a:t>6/5/24</a:t>
+              <a:t>6/6/24</a:t>
             </a:fld>
             <a:endParaRPr lang="en-US"/>
           </a:p>
@@ -4124,7 +4131,7 @@
           <a:p>
             <a:fld id="{1D309AFC-4BD8-2744-9B52-244298593CB4}" type="datetimeFigureOut">
               <a:rPr lang="en-US" smtClean="0"/>
-              <a:t>6/5/24</a:t>
+              <a:t>6/6/24</a:t>
             </a:fld>
             <a:endParaRPr lang="en-US"/>
           </a:p>
@@ -4335,7 +4342,7 @@
           <a:p>
             <a:fld id="{1D309AFC-4BD8-2744-9B52-244298593CB4}" type="datetimeFigureOut">
               <a:rPr lang="en-US" smtClean="0"/>
-              <a:t>6/5/24</a:t>
+              <a:t>6/6/24</a:t>
             </a:fld>
             <a:endParaRPr lang="en-US"/>
           </a:p>
@@ -8129,6 +8136,36 @@
           </a:prstGeom>
         </p:spPr>
       </p:pic>
+      <p:pic>
+        <p:nvPicPr>
+          <p:cNvPr id="6" name="Picture 5" descr="A qr code with a dinosaur&#10;&#10;Description automatically generated">
+            <a:extLst>
+              <a:ext uri="{FF2B5EF4-FFF2-40B4-BE49-F238E27FC236}">
+                <a16:creationId xmlns:a16="http://schemas.microsoft.com/office/drawing/2014/main" id="{D22F4778-FA7B-1EF5-9782-7889BA15BBF7}"/>
+              </a:ext>
+            </a:extLst>
+          </p:cNvPr>
+          <p:cNvPicPr>
+            <a:picLocks noChangeAspect="1"/>
+          </p:cNvPicPr>
+          <p:nvPr/>
+        </p:nvPicPr>
+        <p:blipFill>
+          <a:blip r:embed="rId12"/>
+          <a:stretch>
+            <a:fillRect/>
+          </a:stretch>
+        </p:blipFill>
+        <p:spPr>
+          <a:xfrm>
+            <a:off x="28370400" y="3348722"/>
+            <a:ext cx="2376000" cy="2376000"/>
+          </a:xfrm>
+          <a:prstGeom prst="rect">
+            <a:avLst/>
+          </a:prstGeom>
+        </p:spPr>
+      </p:pic>
     </p:spTree>
     <p:extLst>
       <p:ext uri="{BB962C8B-B14F-4D97-AF65-F5344CB8AC3E}">
